--- a/docs/illustrations.pptx
+++ b/docs/illustrations.pptx
@@ -24,6 +24,7 @@
     <p:sldId id="271" r:id="rId19"/>
     <p:sldId id="272" r:id="rId20"/>
     <p:sldId id="273" r:id="rId21"/>
+    <p:sldId id="274" r:id="rId22"/>
   </p:sldIdLst>
   <p:sldSz cx="10080625" cy="7559675"/>
   <p:notesSz cx="7559675" cy="10691812"/>
@@ -82,7 +83,7 @@
         <p:spPr>
           <a:xfrm>
             <a:off x="504000" y="301320"/>
-            <a:ext cx="9071280" cy="1261800"/>
+            <a:ext cx="9072000" cy="1261800"/>
           </a:xfrm>
           <a:prstGeom prst="rect">
             <a:avLst/>
@@ -118,8 +119,8 @@
         </p:nvSpPr>
         <p:spPr>
           <a:xfrm>
-            <a:off x="504000" y="1769040"/>
-            <a:ext cx="9071280" cy="2090880"/>
+            <a:off x="504000" y="1768680"/>
+            <a:ext cx="9072000" cy="2090880"/>
           </a:xfrm>
           <a:prstGeom prst="rect">
             <a:avLst/>
@@ -154,8 +155,8 @@
         </p:nvSpPr>
         <p:spPr>
           <a:xfrm>
-            <a:off x="504000" y="4059000"/>
-            <a:ext cx="9071280" cy="2090880"/>
+            <a:off x="504000" y="4058640"/>
+            <a:ext cx="9072000" cy="2090880"/>
           </a:xfrm>
           <a:prstGeom prst="rect">
             <a:avLst/>
@@ -213,7 +214,7 @@
         <p:spPr>
           <a:xfrm>
             <a:off x="504000" y="301320"/>
-            <a:ext cx="9071280" cy="1261800"/>
+            <a:ext cx="9072000" cy="1261800"/>
           </a:xfrm>
           <a:prstGeom prst="rect">
             <a:avLst/>
@@ -249,8 +250,8 @@
         </p:nvSpPr>
         <p:spPr>
           <a:xfrm>
-            <a:off x="504000" y="1769040"/>
-            <a:ext cx="4426560" cy="2090880"/>
+            <a:off x="504000" y="1768680"/>
+            <a:ext cx="4426920" cy="2090880"/>
           </a:xfrm>
           <a:prstGeom prst="rect">
             <a:avLst/>
@@ -285,8 +286,8 @@
         </p:nvSpPr>
         <p:spPr>
           <a:xfrm>
-            <a:off x="5152320" y="1769040"/>
-            <a:ext cx="4426560" cy="2090880"/>
+            <a:off x="5152680" y="1768680"/>
+            <a:ext cx="4426920" cy="2090880"/>
           </a:xfrm>
           <a:prstGeom prst="rect">
             <a:avLst/>
@@ -321,8 +322,8 @@
         </p:nvSpPr>
         <p:spPr>
           <a:xfrm>
-            <a:off x="5152320" y="4059000"/>
-            <a:ext cx="4426560" cy="2090880"/>
+            <a:off x="5152680" y="4058640"/>
+            <a:ext cx="4426920" cy="2090880"/>
           </a:xfrm>
           <a:prstGeom prst="rect">
             <a:avLst/>
@@ -357,8 +358,8 @@
         </p:nvSpPr>
         <p:spPr>
           <a:xfrm>
-            <a:off x="504000" y="4059000"/>
-            <a:ext cx="4426560" cy="2090880"/>
+            <a:off x="504000" y="4058640"/>
+            <a:ext cx="4426920" cy="2090880"/>
           </a:xfrm>
           <a:prstGeom prst="rect">
             <a:avLst/>
@@ -416,7 +417,7 @@
         <p:spPr>
           <a:xfrm>
             <a:off x="504000" y="301320"/>
-            <a:ext cx="9071280" cy="1261800"/>
+            <a:ext cx="9072000" cy="1261800"/>
           </a:xfrm>
           <a:prstGeom prst="rect">
             <a:avLst/>
@@ -452,8 +453,8 @@
         </p:nvSpPr>
         <p:spPr>
           <a:xfrm>
-            <a:off x="504000" y="1769040"/>
-            <a:ext cx="9071280" cy="4384080"/>
+            <a:off x="504000" y="1768680"/>
+            <a:ext cx="9072000" cy="4384080"/>
           </a:xfrm>
           <a:prstGeom prst="rect">
             <a:avLst/>
@@ -488,8 +489,8 @@
         </p:nvSpPr>
         <p:spPr>
           <a:xfrm>
-            <a:off x="504000" y="1769040"/>
-            <a:ext cx="9071280" cy="4384080"/>
+            <a:off x="504000" y="1768680"/>
+            <a:ext cx="9072000" cy="4384080"/>
           </a:xfrm>
           <a:prstGeom prst="rect">
             <a:avLst/>
@@ -524,7 +525,7 @@
         </p:blipFill>
         <p:spPr>
           <a:xfrm>
-            <a:off x="2291400" y="1769040"/>
+            <a:off x="2291760" y="1768680"/>
             <a:ext cx="5496120" cy="4384080"/>
           </a:xfrm>
           <a:prstGeom prst="rect">
@@ -547,7 +548,7 @@
         </p:blipFill>
         <p:spPr>
           <a:xfrm>
-            <a:off x="2291400" y="1769040"/>
+            <a:off x="2291760" y="1768680"/>
             <a:ext cx="5496120" cy="4384080"/>
           </a:xfrm>
           <a:prstGeom prst="rect">
@@ -615,7 +616,7 @@
         <p:spPr>
           <a:xfrm>
             <a:off x="504000" y="301320"/>
-            <a:ext cx="9071280" cy="1261800"/>
+            <a:ext cx="9072000" cy="1261800"/>
           </a:xfrm>
           <a:prstGeom prst="rect">
             <a:avLst/>
@@ -651,8 +652,8 @@
         </p:nvSpPr>
         <p:spPr>
           <a:xfrm>
-            <a:off x="504000" y="1769040"/>
-            <a:ext cx="9071280" cy="4384080"/>
+            <a:off x="504000" y="1768680"/>
+            <a:ext cx="9072000" cy="4384080"/>
           </a:xfrm>
           <a:prstGeom prst="rect">
             <a:avLst/>
@@ -711,7 +712,7 @@
         <p:spPr>
           <a:xfrm>
             <a:off x="504000" y="301320"/>
-            <a:ext cx="9071280" cy="1261800"/>
+            <a:ext cx="9072000" cy="1261800"/>
           </a:xfrm>
           <a:prstGeom prst="rect">
             <a:avLst/>
@@ -747,8 +748,8 @@
         </p:nvSpPr>
         <p:spPr>
           <a:xfrm>
-            <a:off x="504000" y="1769040"/>
-            <a:ext cx="9071280" cy="4384080"/>
+            <a:off x="504000" y="1768680"/>
+            <a:ext cx="9072000" cy="4384080"/>
           </a:xfrm>
           <a:prstGeom prst="rect">
             <a:avLst/>
@@ -806,7 +807,7 @@
         <p:spPr>
           <a:xfrm>
             <a:off x="504000" y="301320"/>
-            <a:ext cx="9071280" cy="1261800"/>
+            <a:ext cx="9072000" cy="1261800"/>
           </a:xfrm>
           <a:prstGeom prst="rect">
             <a:avLst/>
@@ -842,8 +843,8 @@
         </p:nvSpPr>
         <p:spPr>
           <a:xfrm>
-            <a:off x="504000" y="1769040"/>
-            <a:ext cx="4426560" cy="4384080"/>
+            <a:off x="504000" y="1768680"/>
+            <a:ext cx="4426920" cy="4384080"/>
           </a:xfrm>
           <a:prstGeom prst="rect">
             <a:avLst/>
@@ -878,8 +879,8 @@
         </p:nvSpPr>
         <p:spPr>
           <a:xfrm>
-            <a:off x="5152320" y="1769040"/>
-            <a:ext cx="4426560" cy="4384080"/>
+            <a:off x="5152680" y="1768680"/>
+            <a:ext cx="4426920" cy="4384080"/>
           </a:xfrm>
           <a:prstGeom prst="rect">
             <a:avLst/>
@@ -937,7 +938,7 @@
         <p:spPr>
           <a:xfrm>
             <a:off x="504000" y="301320"/>
-            <a:ext cx="9071280" cy="1261800"/>
+            <a:ext cx="9072000" cy="1261800"/>
           </a:xfrm>
           <a:prstGeom prst="rect">
             <a:avLst/>
@@ -996,7 +997,7 @@
         <p:spPr>
           <a:xfrm>
             <a:off x="504000" y="301320"/>
-            <a:ext cx="9071280" cy="5850360"/>
+            <a:ext cx="9072000" cy="5850360"/>
           </a:xfrm>
           <a:prstGeom prst="rect">
             <a:avLst/>
@@ -1055,7 +1056,7 @@
         <p:spPr>
           <a:xfrm>
             <a:off x="504000" y="301320"/>
-            <a:ext cx="9071280" cy="1261800"/>
+            <a:ext cx="9072000" cy="1261800"/>
           </a:xfrm>
           <a:prstGeom prst="rect">
             <a:avLst/>
@@ -1091,8 +1092,8 @@
         </p:nvSpPr>
         <p:spPr>
           <a:xfrm>
-            <a:off x="504000" y="1769040"/>
-            <a:ext cx="4426560" cy="2090880"/>
+            <a:off x="504000" y="1768680"/>
+            <a:ext cx="4426920" cy="2090880"/>
           </a:xfrm>
           <a:prstGeom prst="rect">
             <a:avLst/>
@@ -1127,8 +1128,8 @@
         </p:nvSpPr>
         <p:spPr>
           <a:xfrm>
-            <a:off x="504000" y="4059000"/>
-            <a:ext cx="4426560" cy="2090880"/>
+            <a:off x="504000" y="4058640"/>
+            <a:ext cx="4426920" cy="2090880"/>
           </a:xfrm>
           <a:prstGeom prst="rect">
             <a:avLst/>
@@ -1163,8 +1164,8 @@
         </p:nvSpPr>
         <p:spPr>
           <a:xfrm>
-            <a:off x="5152320" y="1769040"/>
-            <a:ext cx="4426560" cy="4384080"/>
+            <a:off x="5152680" y="1768680"/>
+            <a:ext cx="4426920" cy="4384080"/>
           </a:xfrm>
           <a:prstGeom prst="rect">
             <a:avLst/>
@@ -1222,7 +1223,7 @@
         <p:spPr>
           <a:xfrm>
             <a:off x="504000" y="301320"/>
-            <a:ext cx="9071280" cy="1261800"/>
+            <a:ext cx="9072000" cy="1261800"/>
           </a:xfrm>
           <a:prstGeom prst="rect">
             <a:avLst/>
@@ -1258,8 +1259,8 @@
         </p:nvSpPr>
         <p:spPr>
           <a:xfrm>
-            <a:off x="504000" y="1769040"/>
-            <a:ext cx="9071280" cy="4384080"/>
+            <a:off x="504000" y="1768680"/>
+            <a:ext cx="9072000" cy="4384080"/>
           </a:xfrm>
           <a:prstGeom prst="rect">
             <a:avLst/>
@@ -1318,7 +1319,7 @@
         <p:spPr>
           <a:xfrm>
             <a:off x="504000" y="301320"/>
-            <a:ext cx="9071280" cy="1261800"/>
+            <a:ext cx="9072000" cy="1261800"/>
           </a:xfrm>
           <a:prstGeom prst="rect">
             <a:avLst/>
@@ -1354,8 +1355,8 @@
         </p:nvSpPr>
         <p:spPr>
           <a:xfrm>
-            <a:off x="504000" y="1769040"/>
-            <a:ext cx="4426560" cy="4384080"/>
+            <a:off x="504000" y="1768680"/>
+            <a:ext cx="4426920" cy="4384080"/>
           </a:xfrm>
           <a:prstGeom prst="rect">
             <a:avLst/>
@@ -1390,8 +1391,8 @@
         </p:nvSpPr>
         <p:spPr>
           <a:xfrm>
-            <a:off x="5152320" y="1769040"/>
-            <a:ext cx="4426560" cy="2090880"/>
+            <a:off x="5152680" y="1768680"/>
+            <a:ext cx="4426920" cy="2090880"/>
           </a:xfrm>
           <a:prstGeom prst="rect">
             <a:avLst/>
@@ -1426,8 +1427,8 @@
         </p:nvSpPr>
         <p:spPr>
           <a:xfrm>
-            <a:off x="5152320" y="4059000"/>
-            <a:ext cx="4426560" cy="2090880"/>
+            <a:off x="5152680" y="4058640"/>
+            <a:ext cx="4426920" cy="2090880"/>
           </a:xfrm>
           <a:prstGeom prst="rect">
             <a:avLst/>
@@ -1485,7 +1486,7 @@
         <p:spPr>
           <a:xfrm>
             <a:off x="504000" y="301320"/>
-            <a:ext cx="9071280" cy="1261800"/>
+            <a:ext cx="9072000" cy="1261800"/>
           </a:xfrm>
           <a:prstGeom prst="rect">
             <a:avLst/>
@@ -1521,8 +1522,8 @@
         </p:nvSpPr>
         <p:spPr>
           <a:xfrm>
-            <a:off x="504000" y="1769040"/>
-            <a:ext cx="4426560" cy="2090880"/>
+            <a:off x="504000" y="1768680"/>
+            <a:ext cx="4426920" cy="2090880"/>
           </a:xfrm>
           <a:prstGeom prst="rect">
             <a:avLst/>
@@ -1557,8 +1558,8 @@
         </p:nvSpPr>
         <p:spPr>
           <a:xfrm>
-            <a:off x="5152320" y="1769040"/>
-            <a:ext cx="4426560" cy="2090880"/>
+            <a:off x="5152680" y="1768680"/>
+            <a:ext cx="4426920" cy="2090880"/>
           </a:xfrm>
           <a:prstGeom prst="rect">
             <a:avLst/>
@@ -1593,8 +1594,8 @@
         </p:nvSpPr>
         <p:spPr>
           <a:xfrm>
-            <a:off x="504000" y="4059000"/>
-            <a:ext cx="9071280" cy="2090880"/>
+            <a:off x="504000" y="4058640"/>
+            <a:ext cx="9072000" cy="2090880"/>
           </a:xfrm>
           <a:prstGeom prst="rect">
             <a:avLst/>
@@ -1652,7 +1653,7 @@
         <p:spPr>
           <a:xfrm>
             <a:off x="504000" y="301320"/>
-            <a:ext cx="9071280" cy="1261800"/>
+            <a:ext cx="9072000" cy="1261800"/>
           </a:xfrm>
           <a:prstGeom prst="rect">
             <a:avLst/>
@@ -1688,8 +1689,8 @@
         </p:nvSpPr>
         <p:spPr>
           <a:xfrm>
-            <a:off x="504000" y="1769040"/>
-            <a:ext cx="9071280" cy="2090880"/>
+            <a:off x="504000" y="1768680"/>
+            <a:ext cx="9072000" cy="2090880"/>
           </a:xfrm>
           <a:prstGeom prst="rect">
             <a:avLst/>
@@ -1724,8 +1725,8 @@
         </p:nvSpPr>
         <p:spPr>
           <a:xfrm>
-            <a:off x="504000" y="4059000"/>
-            <a:ext cx="9071280" cy="2090880"/>
+            <a:off x="504000" y="4058640"/>
+            <a:ext cx="9072000" cy="2090880"/>
           </a:xfrm>
           <a:prstGeom prst="rect">
             <a:avLst/>
@@ -1783,7 +1784,7 @@
         <p:spPr>
           <a:xfrm>
             <a:off x="504000" y="301320"/>
-            <a:ext cx="9071280" cy="1261800"/>
+            <a:ext cx="9072000" cy="1261800"/>
           </a:xfrm>
           <a:prstGeom prst="rect">
             <a:avLst/>
@@ -1819,8 +1820,8 @@
         </p:nvSpPr>
         <p:spPr>
           <a:xfrm>
-            <a:off x="504000" y="1769040"/>
-            <a:ext cx="4426560" cy="2090880"/>
+            <a:off x="504000" y="1768680"/>
+            <a:ext cx="4426920" cy="2090880"/>
           </a:xfrm>
           <a:prstGeom prst="rect">
             <a:avLst/>
@@ -1855,8 +1856,8 @@
         </p:nvSpPr>
         <p:spPr>
           <a:xfrm>
-            <a:off x="5152320" y="1769040"/>
-            <a:ext cx="4426560" cy="2090880"/>
+            <a:off x="5152680" y="1768680"/>
+            <a:ext cx="4426920" cy="2090880"/>
           </a:xfrm>
           <a:prstGeom prst="rect">
             <a:avLst/>
@@ -1891,8 +1892,8 @@
         </p:nvSpPr>
         <p:spPr>
           <a:xfrm>
-            <a:off x="5152320" y="4059000"/>
-            <a:ext cx="4426560" cy="2090880"/>
+            <a:off x="5152680" y="4058640"/>
+            <a:ext cx="4426920" cy="2090880"/>
           </a:xfrm>
           <a:prstGeom prst="rect">
             <a:avLst/>
@@ -1927,8 +1928,8 @@
         </p:nvSpPr>
         <p:spPr>
           <a:xfrm>
-            <a:off x="504000" y="4059000"/>
-            <a:ext cx="4426560" cy="2090880"/>
+            <a:off x="504000" y="4058640"/>
+            <a:ext cx="4426920" cy="2090880"/>
           </a:xfrm>
           <a:prstGeom prst="rect">
             <a:avLst/>
@@ -1986,7 +1987,7 @@
         <p:spPr>
           <a:xfrm>
             <a:off x="504000" y="301320"/>
-            <a:ext cx="9071280" cy="1261800"/>
+            <a:ext cx="9072000" cy="1261800"/>
           </a:xfrm>
           <a:prstGeom prst="rect">
             <a:avLst/>
@@ -2022,8 +2023,8 @@
         </p:nvSpPr>
         <p:spPr>
           <a:xfrm>
-            <a:off x="504000" y="1769040"/>
-            <a:ext cx="9071280" cy="4384080"/>
+            <a:off x="504000" y="1768680"/>
+            <a:ext cx="9072000" cy="4384080"/>
           </a:xfrm>
           <a:prstGeom prst="rect">
             <a:avLst/>
@@ -2058,8 +2059,8 @@
         </p:nvSpPr>
         <p:spPr>
           <a:xfrm>
-            <a:off x="504000" y="1769040"/>
-            <a:ext cx="9071280" cy="4384080"/>
+            <a:off x="504000" y="1768680"/>
+            <a:ext cx="9072000" cy="4384080"/>
           </a:xfrm>
           <a:prstGeom prst="rect">
             <a:avLst/>
@@ -2094,7 +2095,7 @@
         </p:blipFill>
         <p:spPr>
           <a:xfrm>
-            <a:off x="2291400" y="1769040"/>
+            <a:off x="2291760" y="1768680"/>
             <a:ext cx="5496120" cy="4384080"/>
           </a:xfrm>
           <a:prstGeom prst="rect">
@@ -2117,7 +2118,7 @@
         </p:blipFill>
         <p:spPr>
           <a:xfrm>
-            <a:off x="2291400" y="1769040"/>
+            <a:off x="2291760" y="1768680"/>
             <a:ext cx="5496120" cy="4384080"/>
           </a:xfrm>
           <a:prstGeom prst="rect">
@@ -2163,7 +2164,7 @@
         <p:spPr>
           <a:xfrm>
             <a:off x="504000" y="301320"/>
-            <a:ext cx="9071280" cy="1261800"/>
+            <a:ext cx="9072000" cy="1261800"/>
           </a:xfrm>
           <a:prstGeom prst="rect">
             <a:avLst/>
@@ -2199,8 +2200,8 @@
         </p:nvSpPr>
         <p:spPr>
           <a:xfrm>
-            <a:off x="504000" y="1769040"/>
-            <a:ext cx="9071280" cy="4384080"/>
+            <a:off x="504000" y="1768680"/>
+            <a:ext cx="9072000" cy="4384080"/>
           </a:xfrm>
           <a:prstGeom prst="rect">
             <a:avLst/>
@@ -2258,7 +2259,7 @@
         <p:spPr>
           <a:xfrm>
             <a:off x="504000" y="301320"/>
-            <a:ext cx="9071280" cy="1261800"/>
+            <a:ext cx="9072000" cy="1261800"/>
           </a:xfrm>
           <a:prstGeom prst="rect">
             <a:avLst/>
@@ -2294,8 +2295,8 @@
         </p:nvSpPr>
         <p:spPr>
           <a:xfrm>
-            <a:off x="504000" y="1769040"/>
-            <a:ext cx="4426560" cy="4384080"/>
+            <a:off x="504000" y="1768680"/>
+            <a:ext cx="4426920" cy="4384080"/>
           </a:xfrm>
           <a:prstGeom prst="rect">
             <a:avLst/>
@@ -2330,8 +2331,8 @@
         </p:nvSpPr>
         <p:spPr>
           <a:xfrm>
-            <a:off x="5152320" y="1769040"/>
-            <a:ext cx="4426560" cy="4384080"/>
+            <a:off x="5152680" y="1768680"/>
+            <a:ext cx="4426920" cy="4384080"/>
           </a:xfrm>
           <a:prstGeom prst="rect">
             <a:avLst/>
@@ -2389,7 +2390,7 @@
         <p:spPr>
           <a:xfrm>
             <a:off x="504000" y="301320"/>
-            <a:ext cx="9071280" cy="1261800"/>
+            <a:ext cx="9072000" cy="1261800"/>
           </a:xfrm>
           <a:prstGeom prst="rect">
             <a:avLst/>
@@ -2448,7 +2449,7 @@
         <p:spPr>
           <a:xfrm>
             <a:off x="504000" y="301320"/>
-            <a:ext cx="9071280" cy="5850360"/>
+            <a:ext cx="9072000" cy="5850360"/>
           </a:xfrm>
           <a:prstGeom prst="rect">
             <a:avLst/>
@@ -2507,7 +2508,7 @@
         <p:spPr>
           <a:xfrm>
             <a:off x="504000" y="301320"/>
-            <a:ext cx="9071280" cy="1261800"/>
+            <a:ext cx="9072000" cy="1261800"/>
           </a:xfrm>
           <a:prstGeom prst="rect">
             <a:avLst/>
@@ -2543,8 +2544,8 @@
         </p:nvSpPr>
         <p:spPr>
           <a:xfrm>
-            <a:off x="504000" y="1769040"/>
-            <a:ext cx="4426560" cy="2090880"/>
+            <a:off x="504000" y="1768680"/>
+            <a:ext cx="4426920" cy="2090880"/>
           </a:xfrm>
           <a:prstGeom prst="rect">
             <a:avLst/>
@@ -2579,8 +2580,8 @@
         </p:nvSpPr>
         <p:spPr>
           <a:xfrm>
-            <a:off x="504000" y="4059000"/>
-            <a:ext cx="4426560" cy="2090880"/>
+            <a:off x="504000" y="4058640"/>
+            <a:ext cx="4426920" cy="2090880"/>
           </a:xfrm>
           <a:prstGeom prst="rect">
             <a:avLst/>
@@ -2615,8 +2616,8 @@
         </p:nvSpPr>
         <p:spPr>
           <a:xfrm>
-            <a:off x="5152320" y="1769040"/>
-            <a:ext cx="4426560" cy="4384080"/>
+            <a:off x="5152680" y="1768680"/>
+            <a:ext cx="4426920" cy="4384080"/>
           </a:xfrm>
           <a:prstGeom prst="rect">
             <a:avLst/>
@@ -2674,7 +2675,7 @@
         <p:spPr>
           <a:xfrm>
             <a:off x="504000" y="301320"/>
-            <a:ext cx="9071280" cy="1261800"/>
+            <a:ext cx="9072000" cy="1261800"/>
           </a:xfrm>
           <a:prstGeom prst="rect">
             <a:avLst/>
@@ -2710,8 +2711,8 @@
         </p:nvSpPr>
         <p:spPr>
           <a:xfrm>
-            <a:off x="504000" y="1769040"/>
-            <a:ext cx="4426560" cy="4384080"/>
+            <a:off x="504000" y="1768680"/>
+            <a:ext cx="4426920" cy="4384080"/>
           </a:xfrm>
           <a:prstGeom prst="rect">
             <a:avLst/>
@@ -2746,8 +2747,8 @@
         </p:nvSpPr>
         <p:spPr>
           <a:xfrm>
-            <a:off x="5152320" y="1769040"/>
-            <a:ext cx="4426560" cy="2090880"/>
+            <a:off x="5152680" y="1768680"/>
+            <a:ext cx="4426920" cy="2090880"/>
           </a:xfrm>
           <a:prstGeom prst="rect">
             <a:avLst/>
@@ -2782,8 +2783,8 @@
         </p:nvSpPr>
         <p:spPr>
           <a:xfrm>
-            <a:off x="5152320" y="4059000"/>
-            <a:ext cx="4426560" cy="2090880"/>
+            <a:off x="5152680" y="4058640"/>
+            <a:ext cx="4426920" cy="2090880"/>
           </a:xfrm>
           <a:prstGeom prst="rect">
             <a:avLst/>
@@ -2841,7 +2842,7 @@
         <p:spPr>
           <a:xfrm>
             <a:off x="504000" y="301320"/>
-            <a:ext cx="9071280" cy="1261800"/>
+            <a:ext cx="9072000" cy="1261800"/>
           </a:xfrm>
           <a:prstGeom prst="rect">
             <a:avLst/>
@@ -2877,8 +2878,8 @@
         </p:nvSpPr>
         <p:spPr>
           <a:xfrm>
-            <a:off x="504000" y="1769040"/>
-            <a:ext cx="4426560" cy="2090880"/>
+            <a:off x="504000" y="1768680"/>
+            <a:ext cx="4426920" cy="2090880"/>
           </a:xfrm>
           <a:prstGeom prst="rect">
             <a:avLst/>
@@ -2913,8 +2914,8 @@
         </p:nvSpPr>
         <p:spPr>
           <a:xfrm>
-            <a:off x="5152320" y="1769040"/>
-            <a:ext cx="4426560" cy="2090880"/>
+            <a:off x="5152680" y="1768680"/>
+            <a:ext cx="4426920" cy="2090880"/>
           </a:xfrm>
           <a:prstGeom prst="rect">
             <a:avLst/>
@@ -2949,8 +2950,8 @@
         </p:nvSpPr>
         <p:spPr>
           <a:xfrm>
-            <a:off x="504000" y="4059000"/>
-            <a:ext cx="9071280" cy="2090880"/>
+            <a:off x="504000" y="4058640"/>
+            <a:ext cx="9072000" cy="2090880"/>
           </a:xfrm>
           <a:prstGeom prst="rect">
             <a:avLst/>
@@ -3008,7 +3009,7 @@
         <p:spPr>
           <a:xfrm>
             <a:off x="504000" y="301320"/>
-            <a:ext cx="9071280" cy="1261800"/>
+            <a:ext cx="9072000" cy="1261800"/>
           </a:xfrm>
           <a:prstGeom prst="rect">
             <a:avLst/>
@@ -3018,6 +3019,20 @@
           <a:bodyPr lIns="0" rIns="0" tIns="0" bIns="0" anchor="ctr"/>
           <a:p>
             <a:pPr algn="ctr"/>
+            <a:r>
+              <a:rPr b="0" lang="en-GB" sz="4400" spc="-1" strike="noStrike">
+                <a:solidFill>
+                  <a:srgbClr val="000000"/>
+                </a:solidFill>
+                <a:uFill>
+                  <a:solidFill>
+                    <a:srgbClr val="ffffff"/>
+                  </a:solidFill>
+                </a:uFill>
+                <a:latin typeface="Arial"/>
+              </a:rPr>
+              <a:t>Click to edit the title text format</a:t>
+            </a:r>
             <a:endParaRPr b="0" lang="en-GB" sz="4400" spc="-1" strike="noStrike">
               <a:solidFill>
                 <a:srgbClr val="000000"/>
@@ -3350,7 +3365,7 @@
         <p:spPr>
           <a:xfrm>
             <a:off x="504000" y="301320"/>
-            <a:ext cx="9071280" cy="1261800"/>
+            <a:ext cx="9072000" cy="1261800"/>
           </a:xfrm>
           <a:prstGeom prst="rect">
             <a:avLst/>
@@ -3360,6 +3375,20 @@
           <a:bodyPr lIns="0" rIns="0" tIns="0" bIns="0" anchor="ctr"/>
           <a:p>
             <a:pPr algn="ctr"/>
+            <a:r>
+              <a:rPr b="0" lang="en-GB" sz="4400" spc="-1" strike="noStrike">
+                <a:solidFill>
+                  <a:srgbClr val="000000"/>
+                </a:solidFill>
+                <a:uFill>
+                  <a:solidFill>
+                    <a:srgbClr val="ffffff"/>
+                  </a:solidFill>
+                </a:uFill>
+                <a:latin typeface="Arial"/>
+              </a:rPr>
+              <a:t>Click to edit the title text format</a:t>
+            </a:r>
             <a:endParaRPr b="0" lang="en-GB" sz="4400" spc="-1" strike="noStrike">
               <a:solidFill>
                 <a:srgbClr val="000000"/>
@@ -3386,8 +3415,8 @@
         </p:nvSpPr>
         <p:spPr>
           <a:xfrm>
-            <a:off x="504000" y="1769040"/>
-            <a:ext cx="9071280" cy="4384080"/>
+            <a:off x="504000" y="1768680"/>
+            <a:ext cx="9072000" cy="4384080"/>
           </a:xfrm>
           <a:prstGeom prst="rect">
             <a:avLst/>
@@ -3405,7 +3434,7 @@
               <a:buChar char=""/>
             </a:pPr>
             <a:r>
-              <a:rPr b="0" lang="en-GB" sz="1800" spc="-1" strike="noStrike">
+              <a:rPr b="0" lang="en-GB" sz="3200" spc="-1" strike="noStrike">
                 <a:solidFill>
                   <a:srgbClr val="000000"/>
                 </a:solidFill>
@@ -3418,7 +3447,7 @@
               </a:rPr>
               <a:t>Click to edit the outline text format</a:t>
             </a:r>
-            <a:endParaRPr b="0" lang="en-GB" sz="1800" spc="-1" strike="noStrike">
+            <a:endParaRPr b="0" lang="en-GB" sz="3200" spc="-1" strike="noStrike">
               <a:solidFill>
                 <a:srgbClr val="000000"/>
               </a:solidFill>
@@ -3440,7 +3469,7 @@
               <a:buChar char=""/>
             </a:pPr>
             <a:r>
-              <a:rPr b="0" lang="en-GB" sz="1800" spc="-1" strike="noStrike">
+              <a:rPr b="0" lang="en-GB" sz="2800" spc="-1" strike="noStrike">
                 <a:solidFill>
                   <a:srgbClr val="000000"/>
                 </a:solidFill>
@@ -3453,7 +3482,7 @@
               </a:rPr>
               <a:t>Second Outline Level</a:t>
             </a:r>
-            <a:endParaRPr b="0" lang="en-GB" sz="1800" spc="-1" strike="noStrike">
+            <a:endParaRPr b="0" lang="en-GB" sz="2800" spc="-1" strike="noStrike">
               <a:solidFill>
                 <a:srgbClr val="000000"/>
               </a:solidFill>
@@ -3475,7 +3504,7 @@
               <a:buChar char=""/>
             </a:pPr>
             <a:r>
-              <a:rPr b="0" lang="en-GB" sz="1800" spc="-1" strike="noStrike">
+              <a:rPr b="0" lang="en-GB" sz="2400" spc="-1" strike="noStrike">
                 <a:solidFill>
                   <a:srgbClr val="000000"/>
                 </a:solidFill>
@@ -3488,7 +3517,7 @@
               </a:rPr>
               <a:t>Third Outline Level</a:t>
             </a:r>
-            <a:endParaRPr b="0" lang="en-GB" sz="1800" spc="-1" strike="noStrike">
+            <a:endParaRPr b="0" lang="en-GB" sz="2400" spc="-1" strike="noStrike">
               <a:solidFill>
                 <a:srgbClr val="000000"/>
               </a:solidFill>
@@ -3510,7 +3539,7 @@
               <a:buChar char=""/>
             </a:pPr>
             <a:r>
-              <a:rPr b="0" lang="en-GB" sz="1800" spc="-1" strike="noStrike">
+              <a:rPr b="0" lang="en-GB" sz="2000" spc="-1" strike="noStrike">
                 <a:solidFill>
                   <a:srgbClr val="000000"/>
                 </a:solidFill>
@@ -3523,7 +3552,7 @@
               </a:rPr>
               <a:t>Fourth Outline Level</a:t>
             </a:r>
-            <a:endParaRPr b="0" lang="en-GB" sz="1800" spc="-1" strike="noStrike">
+            <a:endParaRPr b="0" lang="en-GB" sz="2000" spc="-1" strike="noStrike">
               <a:solidFill>
                 <a:srgbClr val="000000"/>
               </a:solidFill>
@@ -3545,7 +3574,7 @@
               <a:buChar char=""/>
             </a:pPr>
             <a:r>
-              <a:rPr b="0" lang="en-GB" sz="1800" spc="-1" strike="noStrike">
+              <a:rPr b="0" lang="en-GB" sz="2000" spc="-1" strike="noStrike">
                 <a:solidFill>
                   <a:srgbClr val="000000"/>
                 </a:solidFill>
@@ -3558,7 +3587,7 @@
               </a:rPr>
               <a:t>Fifth Outline Level</a:t>
             </a:r>
-            <a:endParaRPr b="0" lang="en-GB" sz="1800" spc="-1" strike="noStrike">
+            <a:endParaRPr b="0" lang="en-GB" sz="2000" spc="-1" strike="noStrike">
               <a:solidFill>
                 <a:srgbClr val="000000"/>
               </a:solidFill>
@@ -3580,7 +3609,7 @@
               <a:buChar char=""/>
             </a:pPr>
             <a:r>
-              <a:rPr b="0" lang="en-GB" sz="1800" spc="-1" strike="noStrike">
+              <a:rPr b="0" lang="en-GB" sz="2000" spc="-1" strike="noStrike">
                 <a:solidFill>
                   <a:srgbClr val="000000"/>
                 </a:solidFill>
@@ -3593,7 +3622,7 @@
               </a:rPr>
               <a:t>Sixth Outline Level</a:t>
             </a:r>
-            <a:endParaRPr b="0" lang="en-GB" sz="1800" spc="-1" strike="noStrike">
+            <a:endParaRPr b="0" lang="en-GB" sz="2000" spc="-1" strike="noStrike">
               <a:solidFill>
                 <a:srgbClr val="000000"/>
               </a:solidFill>
@@ -3615,7 +3644,7 @@
               <a:buChar char=""/>
             </a:pPr>
             <a:r>
-              <a:rPr b="0" lang="en-GB" sz="1800" spc="-1" strike="noStrike">
+              <a:rPr b="0" lang="en-GB" sz="2000" spc="-1" strike="noStrike">
                 <a:solidFill>
                   <a:srgbClr val="000000"/>
                 </a:solidFill>
@@ -3628,7 +3657,7 @@
               </a:rPr>
               <a:t>Seventh Outline Level</a:t>
             </a:r>
-            <a:endParaRPr b="0" lang="en-GB" sz="1800" spc="-1" strike="noStrike">
+            <a:endParaRPr b="0" lang="en-GB" sz="2000" spc="-1" strike="noStrike">
               <a:solidFill>
                 <a:srgbClr val="000000"/>
               </a:solidFill>
@@ -3665,6 +3694,13 @@
 <file path=ppt/slides/slide1.xml><?xml version="1.0" encoding="utf-8"?>
 <p:sld xmlns:a="http://schemas.openxmlformats.org/drawingml/2006/main" xmlns:p="http://schemas.openxmlformats.org/presentationml/2006/main" xmlns:r="http://schemas.openxmlformats.org/officeDocument/2006/relationships" xmlns:p14="http://schemas.microsoft.com/office/powerpoint/2010/main" xmlns:p15="http://schemas.microsoft.com/office/powerpoint/2012/main" xmlns:mc="http://schemas.openxmlformats.org/markup-compatibility/2006">
   <p:cSld>
+    <p:bg>
+      <p:bgPr>
+        <a:solidFill>
+          <a:srgbClr val="2c001e"/>
+        </a:solidFill>
+      </p:bgPr>
+    </p:bg>
     <p:spTree>
       <p:nvGrpSpPr>
         <p:cNvPr id="1" name=""/>
@@ -3679,29 +3715,131 @@
           <a:chExt cx="0" cy="0"/>
         </a:xfrm>
       </p:grpSpPr>
-      <p:pic>
-        <p:nvPicPr>
-          <p:cNvPr id="72" name="" descr=""/>
-          <p:cNvPicPr/>
+      <p:sp>
+        <p:nvSpPr>
+          <p:cNvPr id="72" name="CustomShape 1"/>
+          <p:cNvSpPr/>
           <p:nvPr/>
-        </p:nvPicPr>
-        <p:blipFill>
-          <a:blip r:embed="rId1"/>
-          <a:stretch/>
-        </p:blipFill>
-        <p:spPr>
-          <a:xfrm>
-            <a:off x="1795320" y="-72000"/>
-            <a:ext cx="6269040" cy="7662600"/>
-          </a:xfrm>
-          <a:prstGeom prst="rect">
-            <a:avLst/>
-          </a:prstGeom>
+        </p:nvSpPr>
+        <p:spPr>
+          <a:xfrm>
+            <a:off x="504360" y="792000"/>
+            <a:ext cx="9070560" cy="5961600"/>
+          </a:xfrm>
+          <a:prstGeom prst="rect">
+            <a:avLst/>
+          </a:prstGeom>
+          <a:noFill/>
           <a:ln>
             <a:noFill/>
           </a:ln>
         </p:spPr>
-      </p:pic>
+        <p:style>
+          <a:lnRef idx="0"/>
+          <a:fillRef idx="0"/>
+          <a:effectRef idx="0"/>
+          <a:fontRef idx="minor"/>
+        </p:style>
+        <p:txBody>
+          <a:bodyPr lIns="0" rIns="0" tIns="0" bIns="0" anchor="ctr"/>
+          <a:p>
+            <a:pPr algn="ctr">
+              <a:lnSpc>
+                <a:spcPct val="100000"/>
+              </a:lnSpc>
+            </a:pPr>
+            <a:r>
+              <a:rPr b="0" lang="en-GB" sz="4400" spc="-1" strike="noStrike">
+                <a:solidFill>
+                  <a:srgbClr val="ffffff"/>
+                </a:solidFill>
+                <a:uFill>
+                  <a:solidFill>
+                    <a:srgbClr val="ffffff"/>
+                  </a:solidFill>
+                </a:uFill>
+                <a:latin typeface="Noto Sans CJK JP Black"/>
+                <a:ea typeface="DejaVu Sans"/>
+              </a:rPr>
+              <a:t>    </a:t>
+            </a:r>
+            <a:r>
+              <a:rPr b="0" lang="en-GB" sz="4400" spc="-1" strike="noStrike">
+                <a:solidFill>
+                  <a:srgbClr val="ffffff"/>
+                </a:solidFill>
+                <a:uFill>
+                  <a:solidFill>
+                    <a:srgbClr val="ffffff"/>
+                  </a:solidFill>
+                </a:uFill>
+                <a:latin typeface="Noto Sans CJK JP Black"/>
+                <a:ea typeface="DejaVu Sans"/>
+              </a:rPr>
+              <a:t>rvc_tcp_station </a:t>
+            </a:r>
+            <a:endParaRPr b="0" lang="en-GB" sz="1800" spc="-1" strike="noStrike">
+              <a:solidFill>
+                <a:srgbClr val="ffffff"/>
+              </a:solidFill>
+              <a:uFill>
+                <a:solidFill>
+                  <a:srgbClr val="ffffff"/>
+                </a:solidFill>
+              </a:uFill>
+              <a:latin typeface="Arial"/>
+            </a:endParaRPr>
+          </a:p>
+          <a:p>
+            <a:pPr algn="ctr">
+              <a:lnSpc>
+                <a:spcPct val="100000"/>
+              </a:lnSpc>
+            </a:pPr>
+            <a:r>
+              <a:rPr b="0" lang="en-GB" sz="4400" spc="-1" strike="noStrike">
+                <a:solidFill>
+                  <a:srgbClr val="ffffff"/>
+                </a:solidFill>
+                <a:uFill>
+                  <a:solidFill>
+                    <a:srgbClr val="ffffff"/>
+                  </a:solidFill>
+                </a:uFill>
+                <a:latin typeface="Noto Sans CJK JP Black"/>
+                <a:ea typeface="DejaVu Sans"/>
+              </a:rPr>
+              <a:t>  </a:t>
+            </a:r>
+            <a:r>
+              <a:rPr b="0" lang="en-GB" sz="4400" spc="-1" strike="noStrike">
+                <a:solidFill>
+                  <a:srgbClr val="ffffff"/>
+                </a:solidFill>
+                <a:uFill>
+                  <a:solidFill>
+                    <a:srgbClr val="ffffff"/>
+                  </a:solidFill>
+                </a:uFill>
+                <a:latin typeface="Noto Sans CJK JP Black"/>
+                <a:ea typeface="DejaVu Sans"/>
+              </a:rPr>
+              <a:t>Operation</a:t>
+            </a:r>
+            <a:endParaRPr b="0" lang="en-GB" sz="1800" spc="-1" strike="noStrike">
+              <a:solidFill>
+                <a:srgbClr val="ffffff"/>
+              </a:solidFill>
+              <a:uFill>
+                <a:solidFill>
+                  <a:srgbClr val="ffffff"/>
+                </a:solidFill>
+              </a:uFill>
+              <a:latin typeface="Arial"/>
+            </a:endParaRPr>
+          </a:p>
+        </p:txBody>
+      </p:sp>
     </p:spTree>
   </p:cSld>
   <p:timing>
@@ -3764,7 +3902,7 @@
         <p:spPr>
           <a:xfrm>
             <a:off x="1841040" y="-79920"/>
-            <a:ext cx="6184800" cy="7559280"/>
+            <a:ext cx="6184080" cy="7558560"/>
           </a:xfrm>
           <a:prstGeom prst="rect">
             <a:avLst/>
@@ -3776,6 +3914,33 @@
       </p:pic>
     </p:spTree>
   </p:cSld>
+  <p:timing>
+    <p:tnLst>
+      <p:par>
+        <p:cTn id="19" dur="indefinite" restart="never" nodeType="tmRoot">
+          <p:childTnLst>
+            <p:seq>
+              <p:cTn id="20" nodeType="mainSeq"/>
+              <p:prevCondLst>
+                <p:cond delay="0" evt="onPrev">
+                  <p:tgtEl>
+                    <p:sldTgt/>
+                  </p:tgtEl>
+                </p:cond>
+              </p:prevCondLst>
+              <p:nextCondLst>
+                <p:cond delay="0" evt="onNext">
+                  <p:tgtEl>
+                    <p:sldTgt/>
+                  </p:tgtEl>
+                </p:cond>
+              </p:nextCondLst>
+            </p:seq>
+          </p:childTnLst>
+        </p:cTn>
+      </p:par>
+    </p:tnLst>
+  </p:timing>
 </p:sld>
 </file>
 
@@ -3809,7 +3974,7 @@
         <p:spPr>
           <a:xfrm>
             <a:off x="1841040" y="-79920"/>
-            <a:ext cx="6184800" cy="7559280"/>
+            <a:ext cx="6184080" cy="7558560"/>
           </a:xfrm>
           <a:prstGeom prst="rect">
             <a:avLst/>
@@ -3824,10 +3989,10 @@
   <p:timing>
     <p:tnLst>
       <p:par>
-        <p:cTn id="13" dur="indefinite" restart="never" nodeType="tmRoot">
+        <p:cTn id="21" dur="indefinite" restart="never" nodeType="tmRoot">
           <p:childTnLst>
             <p:seq>
-              <p:cTn id="14" nodeType="mainSeq"/>
+              <p:cTn id="22" nodeType="mainSeq"/>
               <p:prevCondLst>
                 <p:cond delay="0" evt="onPrev">
                   <p:tgtEl>
@@ -3881,7 +4046,7 @@
         <p:spPr>
           <a:xfrm>
             <a:off x="1841040" y="-79920"/>
-            <a:ext cx="6184800" cy="7559280"/>
+            <a:ext cx="6184080" cy="7558560"/>
           </a:xfrm>
           <a:prstGeom prst="rect">
             <a:avLst/>
@@ -3896,10 +4061,10 @@
   <p:timing>
     <p:tnLst>
       <p:par>
-        <p:cTn id="15" dur="indefinite" restart="never" nodeType="tmRoot">
+        <p:cTn id="23" dur="indefinite" restart="never" nodeType="tmRoot">
           <p:childTnLst>
             <p:seq>
-              <p:cTn id="16" nodeType="mainSeq"/>
+              <p:cTn id="24" nodeType="mainSeq"/>
               <p:prevCondLst>
                 <p:cond delay="0" evt="onPrev">
                   <p:tgtEl>
@@ -3953,7 +4118,7 @@
         <p:spPr>
           <a:xfrm>
             <a:off x="1841040" y="-79920"/>
-            <a:ext cx="6184800" cy="7559280"/>
+            <a:ext cx="6184080" cy="7558560"/>
           </a:xfrm>
           <a:prstGeom prst="rect">
             <a:avLst/>
@@ -3968,10 +4133,10 @@
   <p:timing>
     <p:tnLst>
       <p:par>
-        <p:cTn id="17" dur="indefinite" restart="never" nodeType="tmRoot">
+        <p:cTn id="25" dur="indefinite" restart="never" nodeType="tmRoot">
           <p:childTnLst>
             <p:seq>
-              <p:cTn id="18" nodeType="mainSeq"/>
+              <p:cTn id="26" nodeType="mainSeq"/>
               <p:prevCondLst>
                 <p:cond delay="0" evt="onPrev">
                   <p:tgtEl>
@@ -4025,7 +4190,7 @@
         <p:spPr>
           <a:xfrm>
             <a:off x="1841040" y="-79920"/>
-            <a:ext cx="6184800" cy="7559280"/>
+            <a:ext cx="6184080" cy="7558560"/>
           </a:xfrm>
           <a:prstGeom prst="rect">
             <a:avLst/>
@@ -4040,10 +4205,10 @@
   <p:timing>
     <p:tnLst>
       <p:par>
-        <p:cTn id="19" dur="indefinite" restart="never" nodeType="tmRoot">
+        <p:cTn id="27" dur="indefinite" restart="never" nodeType="tmRoot">
           <p:childTnLst>
             <p:seq>
-              <p:cTn id="20" nodeType="mainSeq"/>
+              <p:cTn id="28" nodeType="mainSeq"/>
               <p:prevCondLst>
                 <p:cond delay="0" evt="onPrev">
                   <p:tgtEl>
@@ -4097,7 +4262,7 @@
         <p:spPr>
           <a:xfrm>
             <a:off x="1841040" y="-79920"/>
-            <a:ext cx="6184800" cy="7559280"/>
+            <a:ext cx="6184080" cy="7558560"/>
           </a:xfrm>
           <a:prstGeom prst="rect">
             <a:avLst/>
@@ -4112,10 +4277,10 @@
   <p:timing>
     <p:tnLst>
       <p:par>
-        <p:cTn id="21" dur="indefinite" restart="never" nodeType="tmRoot">
+        <p:cTn id="29" dur="indefinite" restart="never" nodeType="tmRoot">
           <p:childTnLst>
             <p:seq>
-              <p:cTn id="22" nodeType="mainSeq"/>
+              <p:cTn id="30" nodeType="mainSeq"/>
               <p:prevCondLst>
                 <p:cond delay="0" evt="onPrev">
                   <p:tgtEl>
@@ -4168,8 +4333,8 @@
         </p:blipFill>
         <p:spPr>
           <a:xfrm>
-            <a:off x="1841040" y="-79920"/>
-            <a:ext cx="6184800" cy="7559280"/>
+            <a:off x="1882800" y="-72000"/>
+            <a:ext cx="6197040" cy="7573680"/>
           </a:xfrm>
           <a:prstGeom prst="rect">
             <a:avLst/>
@@ -4184,10 +4349,10 @@
   <p:timing>
     <p:tnLst>
       <p:par>
-        <p:cTn id="23" dur="indefinite" restart="never" nodeType="tmRoot">
+        <p:cTn id="31" dur="indefinite" restart="never" nodeType="tmRoot">
           <p:childTnLst>
             <p:seq>
-              <p:cTn id="24" nodeType="mainSeq"/>
+              <p:cTn id="32" nodeType="mainSeq"/>
               <p:prevCondLst>
                 <p:cond delay="0" evt="onPrev">
                   <p:tgtEl>
@@ -4214,13 +4379,6 @@
 <file path=ppt/slides/slide17.xml><?xml version="1.0" encoding="utf-8"?>
 <p:sld xmlns:a="http://schemas.openxmlformats.org/drawingml/2006/main" xmlns:p="http://schemas.openxmlformats.org/presentationml/2006/main" xmlns:r="http://schemas.openxmlformats.org/officeDocument/2006/relationships" xmlns:p14="http://schemas.microsoft.com/office/powerpoint/2010/main" xmlns:p15="http://schemas.microsoft.com/office/powerpoint/2012/main" xmlns:mc="http://schemas.openxmlformats.org/markup-compatibility/2006">
   <p:cSld>
-    <p:bg>
-      <p:bgPr>
-        <a:solidFill>
-          <a:srgbClr val="2c001e"/>
-        </a:solidFill>
-      </p:bgPr>
-    </p:bg>
     <p:spTree>
       <p:nvGrpSpPr>
         <p:cNvPr id="1" name=""/>
@@ -4235,130 +4393,38 @@
           <a:chExt cx="0" cy="0"/>
         </a:xfrm>
       </p:grpSpPr>
-      <p:sp>
-        <p:nvSpPr>
-          <p:cNvPr id="88" name="CustomShape 1"/>
-          <p:cNvSpPr/>
+      <p:pic>
+        <p:nvPicPr>
+          <p:cNvPr id="88" name="" descr=""/>
+          <p:cNvPicPr/>
           <p:nvPr/>
-        </p:nvSpPr>
-        <p:spPr>
-          <a:xfrm>
-            <a:off x="504360" y="792000"/>
-            <a:ext cx="9071280" cy="5962320"/>
-          </a:xfrm>
-          <a:prstGeom prst="rect">
-            <a:avLst/>
-          </a:prstGeom>
-          <a:noFill/>
+        </p:nvPicPr>
+        <p:blipFill>
+          <a:blip r:embed="rId1"/>
+          <a:stretch/>
+        </p:blipFill>
+        <p:spPr>
+          <a:xfrm>
+            <a:off x="1944000" y="-79200"/>
+            <a:ext cx="6184800" cy="7559280"/>
+          </a:xfrm>
+          <a:prstGeom prst="rect">
+            <a:avLst/>
+          </a:prstGeom>
           <a:ln>
             <a:noFill/>
           </a:ln>
         </p:spPr>
-        <p:style>
-          <a:lnRef idx="0"/>
-          <a:fillRef idx="0"/>
-          <a:effectRef idx="0"/>
-          <a:fontRef idx="minor"/>
-        </p:style>
-        <p:txBody>
-          <a:bodyPr lIns="0" rIns="0" tIns="0" bIns="0" anchor="ctr"/>
-          <a:p>
-            <a:r>
-              <a:rPr b="0" lang="en-GB" sz="4400" spc="-1" strike="noStrike">
-                <a:solidFill>
-                  <a:srgbClr val="ffffff"/>
-                </a:solidFill>
-                <a:uFill>
-                  <a:solidFill>
-                    <a:srgbClr val="ffffff"/>
-                  </a:solidFill>
-                </a:uFill>
-                <a:latin typeface="Noto Sans CJK JP Black"/>
-              </a:rPr>
-              <a:t>Representating </a:t>
-            </a:r>
-            <a:endParaRPr b="0" lang="en-GB" sz="1800" spc="-1" strike="noStrike">
-              <a:solidFill>
-                <a:srgbClr val="ffffff"/>
-              </a:solidFill>
-              <a:uFill>
-                <a:solidFill>
-                  <a:srgbClr val="ffffff"/>
-                </a:solidFill>
-              </a:uFill>
-              <a:latin typeface="Arial"/>
-            </a:endParaRPr>
-          </a:p>
-          <a:p>
-            <a:r>
-              <a:rPr b="0" lang="en-GB" sz="4400" spc="-1" strike="noStrike">
-                <a:solidFill>
-                  <a:srgbClr val="ffffff"/>
-                </a:solidFill>
-                <a:uFill>
-                  <a:solidFill>
-                    <a:srgbClr val="ffffff"/>
-                  </a:solidFill>
-                </a:uFill>
-                <a:latin typeface="Noto Sans CJK JP Black"/>
-              </a:rPr>
-              <a:t>All  Client - Server</a:t>
-            </a:r>
-            <a:endParaRPr b="0" lang="en-GB" sz="1800" spc="-1" strike="noStrike">
-              <a:solidFill>
-                <a:srgbClr val="ffffff"/>
-              </a:solidFill>
-              <a:uFill>
-                <a:solidFill>
-                  <a:srgbClr val="ffffff"/>
-                </a:solidFill>
-              </a:uFill>
-              <a:latin typeface="Arial"/>
-            </a:endParaRPr>
-          </a:p>
-          <a:p>
-            <a:pPr algn="ctr">
-              <a:lnSpc>
-                <a:spcPct val="100000"/>
-              </a:lnSpc>
-            </a:pPr>
-            <a:r>
-              <a:rPr b="0" lang="en-GB" sz="4400" spc="-1" strike="noStrike">
-                <a:solidFill>
-                  <a:srgbClr val="ffffff"/>
-                </a:solidFill>
-                <a:uFill>
-                  <a:solidFill>
-                    <a:srgbClr val="ffffff"/>
-                  </a:solidFill>
-                </a:uFill>
-                <a:latin typeface="Noto Sans CJK JP Black"/>
-              </a:rPr>
-              <a:t>Connections</a:t>
-            </a:r>
-            <a:endParaRPr b="0" lang="en-GB" sz="1800" spc="-1" strike="noStrike">
-              <a:solidFill>
-                <a:srgbClr val="ffffff"/>
-              </a:solidFill>
-              <a:uFill>
-                <a:solidFill>
-                  <a:srgbClr val="ffffff"/>
-                </a:solidFill>
-              </a:uFill>
-              <a:latin typeface="Arial"/>
-            </a:endParaRPr>
-          </a:p>
-        </p:txBody>
-      </p:sp>
+      </p:pic>
     </p:spTree>
   </p:cSld>
   <p:timing>
     <p:tnLst>
       <p:par>
-        <p:cTn id="25" dur="indefinite" restart="never" nodeType="tmRoot">
+        <p:cTn id="33" dur="indefinite" restart="never" nodeType="tmRoot">
           <p:childTnLst>
             <p:seq>
-              <p:cTn id="26" nodeType="mainSeq"/>
+              <p:cTn id="34" nodeType="mainSeq"/>
               <p:prevCondLst>
                 <p:cond delay="0" evt="onPrev">
                   <p:tgtEl>
@@ -4385,6 +4451,220 @@
 <file path=ppt/slides/slide18.xml><?xml version="1.0" encoding="utf-8"?>
 <p:sld xmlns:a="http://schemas.openxmlformats.org/drawingml/2006/main" xmlns:p="http://schemas.openxmlformats.org/presentationml/2006/main" xmlns:r="http://schemas.openxmlformats.org/officeDocument/2006/relationships" xmlns:p14="http://schemas.microsoft.com/office/powerpoint/2010/main" xmlns:p15="http://schemas.microsoft.com/office/powerpoint/2012/main" xmlns:mc="http://schemas.openxmlformats.org/markup-compatibility/2006">
   <p:cSld>
+    <p:bg>
+      <p:bgPr>
+        <a:solidFill>
+          <a:srgbClr val="2c001e"/>
+        </a:solidFill>
+      </p:bgPr>
+    </p:bg>
+    <p:spTree>
+      <p:nvGrpSpPr>
+        <p:cNvPr id="1" name=""/>
+        <p:cNvGrpSpPr/>
+        <p:nvPr/>
+      </p:nvGrpSpPr>
+      <p:grpSpPr>
+        <a:xfrm>
+          <a:off x="0" y="0"/>
+          <a:ext cx="0" cy="0"/>
+          <a:chOff x="0" y="0"/>
+          <a:chExt cx="0" cy="0"/>
+        </a:xfrm>
+      </p:grpSpPr>
+      <p:sp>
+        <p:nvSpPr>
+          <p:cNvPr id="89" name="CustomShape 1"/>
+          <p:cNvSpPr/>
+          <p:nvPr/>
+        </p:nvSpPr>
+        <p:spPr>
+          <a:xfrm>
+            <a:off x="504360" y="792000"/>
+            <a:ext cx="9070560" cy="5961600"/>
+          </a:xfrm>
+          <a:prstGeom prst="rect">
+            <a:avLst/>
+          </a:prstGeom>
+          <a:noFill/>
+          <a:ln>
+            <a:noFill/>
+          </a:ln>
+        </p:spPr>
+        <p:style>
+          <a:lnRef idx="0"/>
+          <a:fillRef idx="0"/>
+          <a:effectRef idx="0"/>
+          <a:fontRef idx="minor"/>
+        </p:style>
+        <p:txBody>
+          <a:bodyPr lIns="0" rIns="0" tIns="0" bIns="0" anchor="ctr"/>
+          <a:p>
+            <a:pPr algn="ctr">
+              <a:lnSpc>
+                <a:spcPct val="100000"/>
+              </a:lnSpc>
+            </a:pPr>
+            <a:r>
+              <a:rPr b="0" lang="en-GB" sz="4400" spc="-1" strike="noStrike">
+                <a:solidFill>
+                  <a:srgbClr val="ffffff"/>
+                </a:solidFill>
+                <a:uFill>
+                  <a:solidFill>
+                    <a:srgbClr val="ffffff"/>
+                  </a:solidFill>
+                </a:uFill>
+                <a:latin typeface="Noto Sans CJK JP Black"/>
+                <a:ea typeface="DejaVu Sans"/>
+              </a:rPr>
+              <a:t>   </a:t>
+            </a:r>
+            <a:r>
+              <a:rPr b="0" lang="en-GB" sz="4400" spc="-1" strike="noStrike">
+                <a:solidFill>
+                  <a:srgbClr val="ffffff"/>
+                </a:solidFill>
+                <a:uFill>
+                  <a:solidFill>
+                    <a:srgbClr val="ffffff"/>
+                  </a:solidFill>
+                </a:uFill>
+                <a:latin typeface="Noto Sans CJK JP Black"/>
+                <a:ea typeface="DejaVu Sans"/>
+              </a:rPr>
+              <a:t>Representating </a:t>
+            </a:r>
+            <a:endParaRPr b="0" lang="en-GB" sz="1800" spc="-1" strike="noStrike">
+              <a:solidFill>
+                <a:srgbClr val="ffffff"/>
+              </a:solidFill>
+              <a:uFill>
+                <a:solidFill>
+                  <a:srgbClr val="ffffff"/>
+                </a:solidFill>
+              </a:uFill>
+              <a:latin typeface="Arial"/>
+            </a:endParaRPr>
+          </a:p>
+          <a:p>
+            <a:pPr algn="ctr">
+              <a:lnSpc>
+                <a:spcPct val="100000"/>
+              </a:lnSpc>
+            </a:pPr>
+            <a:r>
+              <a:rPr b="0" lang="en-GB" sz="4400" spc="-1" strike="noStrike">
+                <a:solidFill>
+                  <a:srgbClr val="ffffff"/>
+                </a:solidFill>
+                <a:uFill>
+                  <a:solidFill>
+                    <a:srgbClr val="ffffff"/>
+                  </a:solidFill>
+                </a:uFill>
+                <a:latin typeface="Noto Sans CJK JP Black"/>
+                <a:ea typeface="DejaVu Sans"/>
+              </a:rPr>
+              <a:t>  </a:t>
+            </a:r>
+            <a:r>
+              <a:rPr b="0" lang="en-GB" sz="4400" spc="-1" strike="noStrike">
+                <a:solidFill>
+                  <a:srgbClr val="ffffff"/>
+                </a:solidFill>
+                <a:uFill>
+                  <a:solidFill>
+                    <a:srgbClr val="ffffff"/>
+                  </a:solidFill>
+                </a:uFill>
+                <a:latin typeface="Noto Sans CJK JP Black"/>
+                <a:ea typeface="DejaVu Sans"/>
+              </a:rPr>
+              <a:t>All  Client – Server</a:t>
+            </a:r>
+            <a:endParaRPr b="0" lang="en-GB" sz="1800" spc="-1" strike="noStrike">
+              <a:solidFill>
+                <a:srgbClr val="ffffff"/>
+              </a:solidFill>
+              <a:uFill>
+                <a:solidFill>
+                  <a:srgbClr val="ffffff"/>
+                </a:solidFill>
+              </a:uFill>
+              <a:latin typeface="Arial"/>
+            </a:endParaRPr>
+          </a:p>
+          <a:p>
+            <a:pPr algn="ctr">
+              <a:lnSpc>
+                <a:spcPct val="100000"/>
+              </a:lnSpc>
+            </a:pPr>
+            <a:r>
+              <a:rPr b="0" lang="en-GB" sz="4400" spc="-1" strike="noStrike">
+                <a:solidFill>
+                  <a:srgbClr val="ffffff"/>
+                </a:solidFill>
+                <a:uFill>
+                  <a:solidFill>
+                    <a:srgbClr val="ffffff"/>
+                  </a:solidFill>
+                </a:uFill>
+                <a:latin typeface="Noto Sans CJK JP Black"/>
+                <a:ea typeface="DejaVu Sans"/>
+              </a:rPr>
+              <a:t>Connections</a:t>
+            </a:r>
+            <a:endParaRPr b="0" lang="en-GB" sz="1800" spc="-1" strike="noStrike">
+              <a:solidFill>
+                <a:srgbClr val="ffffff"/>
+              </a:solidFill>
+              <a:uFill>
+                <a:solidFill>
+                  <a:srgbClr val="ffffff"/>
+                </a:solidFill>
+              </a:uFill>
+              <a:latin typeface="Arial"/>
+            </a:endParaRPr>
+          </a:p>
+        </p:txBody>
+      </p:sp>
+    </p:spTree>
+  </p:cSld>
+  <p:timing>
+    <p:tnLst>
+      <p:par>
+        <p:cTn id="35" dur="indefinite" restart="never" nodeType="tmRoot">
+          <p:childTnLst>
+            <p:seq>
+              <p:cTn id="36" nodeType="mainSeq"/>
+              <p:prevCondLst>
+                <p:cond delay="0" evt="onPrev">
+                  <p:tgtEl>
+                    <p:sldTgt/>
+                  </p:tgtEl>
+                </p:cond>
+              </p:prevCondLst>
+              <p:nextCondLst>
+                <p:cond delay="0" evt="onNext">
+                  <p:tgtEl>
+                    <p:sldTgt/>
+                  </p:tgtEl>
+                </p:cond>
+              </p:nextCondLst>
+            </p:seq>
+          </p:childTnLst>
+        </p:cTn>
+      </p:par>
+    </p:tnLst>
+  </p:timing>
+</p:sld>
+</file>
+
+<file path=ppt/slides/slide19.xml><?xml version="1.0" encoding="utf-8"?>
+<p:sld xmlns:a="http://schemas.openxmlformats.org/drawingml/2006/main" xmlns:p="http://schemas.openxmlformats.org/presentationml/2006/main" xmlns:r="http://schemas.openxmlformats.org/officeDocument/2006/relationships" xmlns:p14="http://schemas.microsoft.com/office/powerpoint/2010/main" xmlns:p15="http://schemas.microsoft.com/office/powerpoint/2012/main" xmlns:mc="http://schemas.openxmlformats.org/markup-compatibility/2006">
+  <p:cSld>
     <p:spTree>
       <p:nvGrpSpPr>
         <p:cNvPr id="1" name=""/>
@@ -4401,7 +4681,7 @@
       </p:grpSpPr>
       <p:pic>
         <p:nvPicPr>
-          <p:cNvPr id="89" name="" descr=""/>
+          <p:cNvPr id="90" name="" descr=""/>
           <p:cNvPicPr/>
           <p:nvPr/>
         </p:nvPicPr>
@@ -4412,7 +4692,7 @@
         <p:spPr>
           <a:xfrm>
             <a:off x="1694160" y="-360000"/>
-            <a:ext cx="6773760" cy="8279640"/>
+            <a:ext cx="6773040" cy="8278920"/>
           </a:xfrm>
           <a:prstGeom prst="rect">
             <a:avLst/>
@@ -4424,6 +4704,33 @@
       </p:pic>
     </p:spTree>
   </p:cSld>
+  <p:timing>
+    <p:tnLst>
+      <p:par>
+        <p:cTn id="37" dur="indefinite" restart="never" nodeType="tmRoot">
+          <p:childTnLst>
+            <p:seq>
+              <p:cTn id="38" nodeType="mainSeq"/>
+              <p:prevCondLst>
+                <p:cond delay="0" evt="onPrev">
+                  <p:tgtEl>
+                    <p:sldTgt/>
+                  </p:tgtEl>
+                </p:cond>
+              </p:prevCondLst>
+              <p:nextCondLst>
+                <p:cond delay="0" evt="onNext">
+                  <p:tgtEl>
+                    <p:sldTgt/>
+                  </p:tgtEl>
+                </p:cond>
+              </p:nextCondLst>
+            </p:seq>
+          </p:childTnLst>
+        </p:cTn>
+      </p:par>
+    </p:tnLst>
+  </p:timing>
 </p:sld>
 </file>
 
@@ -4456,8 +4763,8 @@
         </p:blipFill>
         <p:spPr>
           <a:xfrm>
-            <a:off x="1841040" y="-79920"/>
-            <a:ext cx="6184800" cy="7559280"/>
+            <a:off x="1795320" y="-72000"/>
+            <a:ext cx="6268320" cy="7661880"/>
           </a:xfrm>
           <a:prstGeom prst="rect">
             <a:avLst/>
@@ -4529,7 +4836,7 @@
         <p:spPr>
           <a:xfrm>
             <a:off x="1841040" y="-79920"/>
-            <a:ext cx="6184800" cy="7559280"/>
+            <a:ext cx="6184080" cy="7558560"/>
           </a:xfrm>
           <a:prstGeom prst="rect">
             <a:avLst/>
@@ -4601,7 +4908,7 @@
         <p:spPr>
           <a:xfrm>
             <a:off x="1841040" y="-79920"/>
-            <a:ext cx="6184800" cy="7559280"/>
+            <a:ext cx="6184080" cy="7558560"/>
           </a:xfrm>
           <a:prstGeom prst="rect">
             <a:avLst/>
@@ -4673,7 +4980,7 @@
         <p:spPr>
           <a:xfrm>
             <a:off x="1841040" y="-79920"/>
-            <a:ext cx="6184800" cy="7559280"/>
+            <a:ext cx="6184080" cy="7558560"/>
           </a:xfrm>
           <a:prstGeom prst="rect">
             <a:avLst/>
@@ -4745,7 +5052,7 @@
         <p:spPr>
           <a:xfrm>
             <a:off x="1841040" y="-79920"/>
-            <a:ext cx="6184800" cy="7559280"/>
+            <a:ext cx="6184080" cy="7558560"/>
           </a:xfrm>
           <a:prstGeom prst="rect">
             <a:avLst/>
@@ -4817,7 +5124,7 @@
         <p:spPr>
           <a:xfrm>
             <a:off x="1841040" y="-79920"/>
-            <a:ext cx="6184800" cy="7559280"/>
+            <a:ext cx="6184080" cy="7558560"/>
           </a:xfrm>
           <a:prstGeom prst="rect">
             <a:avLst/>
@@ -4829,6 +5136,33 @@
       </p:pic>
     </p:spTree>
   </p:cSld>
+  <p:timing>
+    <p:tnLst>
+      <p:par>
+        <p:cTn id="13" dur="indefinite" restart="never" nodeType="tmRoot">
+          <p:childTnLst>
+            <p:seq>
+              <p:cTn id="14" nodeType="mainSeq"/>
+              <p:prevCondLst>
+                <p:cond delay="0" evt="onPrev">
+                  <p:tgtEl>
+                    <p:sldTgt/>
+                  </p:tgtEl>
+                </p:cond>
+              </p:prevCondLst>
+              <p:nextCondLst>
+                <p:cond delay="0" evt="onNext">
+                  <p:tgtEl>
+                    <p:sldTgt/>
+                  </p:tgtEl>
+                </p:cond>
+              </p:nextCondLst>
+            </p:seq>
+          </p:childTnLst>
+        </p:cTn>
+      </p:par>
+    </p:tnLst>
+  </p:timing>
 </p:sld>
 </file>
 
@@ -4862,7 +5196,7 @@
         <p:spPr>
           <a:xfrm>
             <a:off x="1841040" y="-79920"/>
-            <a:ext cx="6184800" cy="7559280"/>
+            <a:ext cx="6184080" cy="7558560"/>
           </a:xfrm>
           <a:prstGeom prst="rect">
             <a:avLst/>
@@ -4874,6 +5208,33 @@
       </p:pic>
     </p:spTree>
   </p:cSld>
+  <p:timing>
+    <p:tnLst>
+      <p:par>
+        <p:cTn id="15" dur="indefinite" restart="never" nodeType="tmRoot">
+          <p:childTnLst>
+            <p:seq>
+              <p:cTn id="16" nodeType="mainSeq"/>
+              <p:prevCondLst>
+                <p:cond delay="0" evt="onPrev">
+                  <p:tgtEl>
+                    <p:sldTgt/>
+                  </p:tgtEl>
+                </p:cond>
+              </p:prevCondLst>
+              <p:nextCondLst>
+                <p:cond delay="0" evt="onNext">
+                  <p:tgtEl>
+                    <p:sldTgt/>
+                  </p:tgtEl>
+                </p:cond>
+              </p:nextCondLst>
+            </p:seq>
+          </p:childTnLst>
+        </p:cTn>
+      </p:par>
+    </p:tnLst>
+  </p:timing>
 </p:sld>
 </file>
 
@@ -4907,7 +5268,7 @@
         <p:spPr>
           <a:xfrm>
             <a:off x="1841040" y="-79920"/>
-            <a:ext cx="6184800" cy="7559280"/>
+            <a:ext cx="6184080" cy="7558560"/>
           </a:xfrm>
           <a:prstGeom prst="rect">
             <a:avLst/>
@@ -4919,6 +5280,33 @@
       </p:pic>
     </p:spTree>
   </p:cSld>
+  <p:timing>
+    <p:tnLst>
+      <p:par>
+        <p:cTn id="17" dur="indefinite" restart="never" nodeType="tmRoot">
+          <p:childTnLst>
+            <p:seq>
+              <p:cTn id="18" nodeType="mainSeq"/>
+              <p:prevCondLst>
+                <p:cond delay="0" evt="onPrev">
+                  <p:tgtEl>
+                    <p:sldTgt/>
+                  </p:tgtEl>
+                </p:cond>
+              </p:prevCondLst>
+              <p:nextCondLst>
+                <p:cond delay="0" evt="onNext">
+                  <p:tgtEl>
+                    <p:sldTgt/>
+                  </p:tgtEl>
+                </p:cond>
+              </p:nextCondLst>
+            </p:seq>
+          </p:childTnLst>
+        </p:cTn>
+      </p:par>
+    </p:tnLst>
+  </p:timing>
 </p:sld>
 </file>
 
